--- a/alain.de-christen/05-PresentationPPT/FTP-SQL-Backup-Presentation.pptx
+++ b/alain.de-christen/05-PresentationPPT/FTP-SQL-Backup-Presentation.pptx
@@ -10,8 +10,11 @@
     <p:sldId id="260" r:id="rId4"/>
     <p:sldId id="262" r:id="rId5"/>
     <p:sldId id="261" r:id="rId6"/>
-    <p:sldId id="263" r:id="rId7"/>
-    <p:sldId id="264" r:id="rId8"/>
+    <p:sldId id="265" r:id="rId7"/>
+    <p:sldId id="267" r:id="rId8"/>
+    <p:sldId id="263" r:id="rId9"/>
+    <p:sldId id="266" r:id="rId10"/>
+    <p:sldId id="264" r:id="rId11"/>
   </p:sldIdLst>
   <p:sldSz cx="9144000" cy="6858000" type="screen4x3"/>
   <p:notesSz cx="6858000" cy="9144000"/>
@@ -314,7 +317,7 @@
           <a:p>
             <a:fld id="{D728701E-CAF4-4159-9B3E-41C86DFFA30D}" type="datetimeFigureOut">
               <a:rPr lang="en-US" smtClean="0"/>
-              <a:t>19/05/2014</a:t>
+              <a:t>26/05/2014</a:t>
             </a:fld>
             <a:endParaRPr lang="en-US"/>
           </a:p>
@@ -768,7 +771,7 @@
           <a:p>
             <a:fld id="{D728701E-CAF4-4159-9B3E-41C86DFFA30D}" type="datetimeFigureOut">
               <a:rPr lang="en-US" smtClean="0"/>
-              <a:t>19/05/2014</a:t>
+              <a:t>26/05/2014</a:t>
             </a:fld>
             <a:endParaRPr lang="en-US"/>
           </a:p>
@@ -1423,7 +1426,7 @@
           <a:p>
             <a:fld id="{D728701E-CAF4-4159-9B3E-41C86DFFA30D}" type="datetimeFigureOut">
               <a:rPr lang="en-US" smtClean="0"/>
-              <a:t>19/05/2014</a:t>
+              <a:t>26/05/2014</a:t>
             </a:fld>
             <a:endParaRPr lang="en-US"/>
           </a:p>
@@ -1559,7 +1562,7 @@
           <a:p>
             <a:fld id="{D728701E-CAF4-4159-9B3E-41C86DFFA30D}" type="datetimeFigureOut">
               <a:rPr lang="en-US" smtClean="0"/>
-              <a:t>19/05/2014</a:t>
+              <a:t>26/05/2014</a:t>
             </a:fld>
             <a:endParaRPr lang="en-US"/>
           </a:p>
@@ -1925,7 +1928,7 @@
           <a:p>
             <a:fld id="{D728701E-CAF4-4159-9B3E-41C86DFFA30D}" type="datetimeFigureOut">
               <a:rPr lang="en-US" smtClean="0"/>
-              <a:t>19/05/2014</a:t>
+              <a:t>26/05/2014</a:t>
             </a:fld>
             <a:endParaRPr lang="en-US"/>
           </a:p>
@@ -2251,7 +2254,7 @@
           <a:p>
             <a:fld id="{D728701E-CAF4-4159-9B3E-41C86DFFA30D}" type="datetimeFigureOut">
               <a:rPr lang="en-US" smtClean="0"/>
-              <a:t>19/05/2014</a:t>
+              <a:t>26/05/2014</a:t>
             </a:fld>
             <a:endParaRPr lang="en-US"/>
           </a:p>
@@ -2549,7 +2552,7 @@
           <a:p>
             <a:fld id="{D728701E-CAF4-4159-9B3E-41C86DFFA30D}" type="datetimeFigureOut">
               <a:rPr lang="en-US" smtClean="0"/>
-              <a:t>19/05/2014</a:t>
+              <a:t>26/05/2014</a:t>
             </a:fld>
             <a:endParaRPr lang="en-US"/>
           </a:p>
@@ -2936,7 +2939,7 @@
           <a:p>
             <a:fld id="{D728701E-CAF4-4159-9B3E-41C86DFFA30D}" type="datetimeFigureOut">
               <a:rPr lang="en-US" smtClean="0"/>
-              <a:t>19/05/2014</a:t>
+              <a:t>26/05/2014</a:t>
             </a:fld>
             <a:endParaRPr lang="en-US"/>
           </a:p>
@@ -3356,7 +3359,7 @@
           <a:p>
             <a:fld id="{D728701E-CAF4-4159-9B3E-41C86DFFA30D}" type="datetimeFigureOut">
               <a:rPr lang="en-US" smtClean="0"/>
-              <a:t>19/05/2014</a:t>
+              <a:t>26/05/2014</a:t>
             </a:fld>
             <a:endParaRPr lang="en-US"/>
           </a:p>
@@ -3904,7 +3907,7 @@
           <a:p>
             <a:fld id="{D728701E-CAF4-4159-9B3E-41C86DFFA30D}" type="datetimeFigureOut">
               <a:rPr lang="en-US" smtClean="0"/>
-              <a:t>19/05/2014</a:t>
+              <a:t>26/05/2014</a:t>
             </a:fld>
             <a:endParaRPr lang="en-US"/>
           </a:p>
@@ -4290,7 +4293,7 @@
           <a:p>
             <a:fld id="{D728701E-CAF4-4159-9B3E-41C86DFFA30D}" type="datetimeFigureOut">
               <a:rPr lang="en-US" smtClean="0"/>
-              <a:t>19/05/2014</a:t>
+              <a:t>26/05/2014</a:t>
             </a:fld>
             <a:endParaRPr lang="en-US"/>
           </a:p>
@@ -4533,7 +4536,7 @@
           <a:p>
             <a:fld id="{D728701E-CAF4-4159-9B3E-41C86DFFA30D}" type="datetimeFigureOut">
               <a:rPr lang="en-US" smtClean="0"/>
-              <a:t>19/05/2014</a:t>
+              <a:t>26/05/2014</a:t>
             </a:fld>
             <a:endParaRPr lang="en-US"/>
           </a:p>
@@ -4868,7 +4871,7 @@
           <a:p>
             <a:fld id="{D728701E-CAF4-4159-9B3E-41C86DFFA30D}" type="datetimeFigureOut">
               <a:rPr lang="en-US" smtClean="0"/>
-              <a:t>19/05/2014</a:t>
+              <a:t>26/05/2014</a:t>
             </a:fld>
             <a:endParaRPr lang="en-US"/>
           </a:p>
@@ -5152,7 +5155,7 @@
           <a:p>
             <a:fld id="{D728701E-CAF4-4159-9B3E-41C86DFFA30D}" type="datetimeFigureOut">
               <a:rPr lang="en-US" smtClean="0"/>
-              <a:t>19/05/2014</a:t>
+              <a:t>26/05/2014</a:t>
             </a:fld>
             <a:endParaRPr lang="en-US"/>
           </a:p>
@@ -5541,7 +5544,7 @@
           <a:p>
             <a:fld id="{D728701E-CAF4-4159-9B3E-41C86DFFA30D}" type="datetimeFigureOut">
               <a:rPr lang="en-US" smtClean="0"/>
-              <a:t>19/05/2014</a:t>
+              <a:t>26/05/2014</a:t>
             </a:fld>
             <a:endParaRPr lang="en-US"/>
           </a:p>
@@ -6130,7 +6133,7 @@
           <a:p>
             <a:fld id="{D728701E-CAF4-4159-9B3E-41C86DFFA30D}" type="datetimeFigureOut">
               <a:rPr lang="en-US" smtClean="0"/>
-              <a:t>19/05/2014</a:t>
+              <a:t>26/05/2014</a:t>
             </a:fld>
             <a:endParaRPr lang="en-US"/>
           </a:p>
@@ -6701,7 +6704,7 @@
           <a:p>
             <a:fld id="{D728701E-CAF4-4159-9B3E-41C86DFFA30D}" type="datetimeFigureOut">
               <a:rPr lang="en-US" smtClean="0"/>
-              <a:t>19/05/2014</a:t>
+              <a:t>26/05/2014</a:t>
             </a:fld>
             <a:endParaRPr lang="en-US"/>
           </a:p>
@@ -7130,7 +7133,7 @@
           <a:p>
             <a:fld id="{D728701E-CAF4-4159-9B3E-41C86DFFA30D}" type="datetimeFigureOut">
               <a:rPr lang="en-US" smtClean="0"/>
-              <a:t>19/05/2014</a:t>
+              <a:t>26/05/2014</a:t>
             </a:fld>
             <a:endParaRPr lang="en-US"/>
           </a:p>
@@ -7557,7 +7560,7 @@
           <a:p>
             <a:fld id="{D728701E-CAF4-4159-9B3E-41C86DFFA30D}" type="datetimeFigureOut">
               <a:rPr lang="en-US" smtClean="0"/>
-              <a:t>19/05/2014</a:t>
+              <a:t>26/05/2014</a:t>
             </a:fld>
             <a:endParaRPr lang="en-US"/>
           </a:p>
@@ -8033,7 +8036,7 @@
           <a:p>
             <a:fld id="{D728701E-CAF4-4159-9B3E-41C86DFFA30D}" type="datetimeFigureOut">
               <a:rPr lang="en-US" smtClean="0"/>
-              <a:t>19/05/2014</a:t>
+              <a:t>26/05/2014</a:t>
             </a:fld>
             <a:endParaRPr lang="en-US"/>
           </a:p>
@@ -8500,7 +8503,7 @@
           <a:p>
             <a:fld id="{D728701E-CAF4-4159-9B3E-41C86DFFA30D}" type="datetimeFigureOut">
               <a:rPr lang="en-US" smtClean="0"/>
-              <a:t>19/05/2014</a:t>
+              <a:t>26/05/2014</a:t>
             </a:fld>
             <a:endParaRPr lang="en-US"/>
           </a:p>
@@ -8981,33 +8984,17 @@
                   <a:schemeClr val="accent1"/>
                 </a:solidFill>
               </a:rPr>
-              <a:t>Guillaume </a:t>
-            </a:r>
+              <a:t>Guillaume BUISSON</a:t>
+            </a:r>
+          </a:p>
+          <a:p>
             <a:r>
               <a:rPr lang="en-US" sz="1400" dirty="0" smtClean="0">
                 <a:solidFill>
                   <a:schemeClr val="accent1"/>
                 </a:solidFill>
               </a:rPr>
-              <a:t>BUISSON</a:t>
-            </a:r>
-          </a:p>
-          <a:p>
-            <a:r>
-              <a:rPr lang="en-US" sz="1400" dirty="0" smtClean="0">
-                <a:solidFill>
-                  <a:schemeClr val="accent1"/>
-                </a:solidFill>
-              </a:rPr>
-              <a:t>Alain de </a:t>
-            </a:r>
-            <a:r>
-              <a:rPr lang="en-US" sz="1400" dirty="0" smtClean="0">
-                <a:solidFill>
-                  <a:schemeClr val="accent1"/>
-                </a:solidFill>
-              </a:rPr>
-              <a:t>CHRISTEN</a:t>
+              <a:t>Alain de CHRISTEN</a:t>
             </a:r>
           </a:p>
           <a:p>
@@ -9121,15 +9108,7 @@
                   <a:schemeClr val="accent6"/>
                 </a:solidFill>
               </a:rPr>
-              <a:t>The </a:t>
-            </a:r>
-            <a:r>
-              <a:rPr lang="en-US" sz="1400" dirty="0" smtClean="0">
-                <a:solidFill>
-                  <a:schemeClr val="accent6"/>
-                </a:solidFill>
-              </a:rPr>
-              <a:t>needs : make an automatic backup of websites</a:t>
+              <a:t>The needs : make an automatic backup of websites</a:t>
             </a:r>
             <a:endParaRPr lang="en-US" sz="1400" dirty="0">
               <a:solidFill>
@@ -9167,21 +9146,8 @@
                   <a:schemeClr val="accent3"/>
                 </a:solidFill>
               </a:rPr>
-              <a:t>The </a:t>
-            </a:r>
-            <a:r>
-              <a:rPr lang="en-US" sz="1400" dirty="0" smtClean="0">
-                <a:solidFill>
-                  <a:schemeClr val="accent3"/>
-                </a:solidFill>
-              </a:rPr>
-              <a:t>results : save time and make a redundant task automatic</a:t>
-            </a:r>
-            <a:endParaRPr lang="en-US" sz="1400" dirty="0" smtClean="0">
-              <a:solidFill>
-                <a:schemeClr val="accent3"/>
-              </a:solidFill>
-            </a:endParaRPr>
+              <a:t>The results : save time and make a redundant task automatic</a:t>
+            </a:r>
           </a:p>
         </p:txBody>
       </p:sp>
@@ -9378,6 +9344,123 @@
 </p:sld>
 </file>
 
+<file path=ppt/slides/slide10.xml><?xml version="1.0" encoding="utf-8"?>
+<p:sld xmlns:a="http://schemas.openxmlformats.org/drawingml/2006/main" xmlns:r="http://schemas.openxmlformats.org/officeDocument/2006/relationships" xmlns:p="http://schemas.openxmlformats.org/presentationml/2006/main">
+  <p:cSld>
+    <p:spTree>
+      <p:nvGrpSpPr>
+        <p:cNvPr id="1" name=""/>
+        <p:cNvGrpSpPr/>
+        <p:nvPr/>
+      </p:nvGrpSpPr>
+      <p:grpSpPr>
+        <a:xfrm>
+          <a:off x="0" y="0"/>
+          <a:ext cx="0" cy="0"/>
+          <a:chOff x="0" y="0"/>
+          <a:chExt cx="0" cy="0"/>
+        </a:xfrm>
+      </p:grpSpPr>
+      <p:sp>
+        <p:nvSpPr>
+          <p:cNvPr id="2" name="Title 1"/>
+          <p:cNvSpPr>
+            <a:spLocks noGrp="1"/>
+          </p:cNvSpPr>
+          <p:nvPr>
+            <p:ph type="title"/>
+          </p:nvPr>
+        </p:nvSpPr>
+        <p:spPr/>
+        <p:txBody>
+          <a:bodyPr/>
+          <a:lstStyle/>
+          <a:p>
+            <a:r>
+              <a:rPr lang="en-US" dirty="0" smtClean="0"/>
+              <a:t>To do next</a:t>
+            </a:r>
+            <a:endParaRPr lang="en-US" dirty="0"/>
+          </a:p>
+        </p:txBody>
+      </p:sp>
+      <p:sp>
+        <p:nvSpPr>
+          <p:cNvPr id="3" name="Content Placeholder 2"/>
+          <p:cNvSpPr>
+            <a:spLocks noGrp="1"/>
+          </p:cNvSpPr>
+          <p:nvPr>
+            <p:ph idx="1"/>
+          </p:nvPr>
+        </p:nvSpPr>
+        <p:spPr/>
+        <p:txBody>
+          <a:bodyPr/>
+          <a:lstStyle/>
+          <a:p>
+            <a:r>
+              <a:rPr lang="en-US" dirty="0" smtClean="0"/>
+              <a:t>Combine the scripts into a unique one</a:t>
+            </a:r>
+          </a:p>
+          <a:p>
+            <a:r>
+              <a:rPr lang="en-US" dirty="0" smtClean="0"/>
+              <a:t>Develop the script with further functions :</a:t>
+            </a:r>
+          </a:p>
+          <a:p>
+            <a:pPr lvl="1"/>
+            <a:r>
+              <a:rPr lang="en-US" dirty="0" smtClean="0"/>
+              <a:t>Delete backups dated more than X days</a:t>
+            </a:r>
+          </a:p>
+          <a:p>
+            <a:pPr lvl="1"/>
+            <a:r>
+              <a:rPr lang="en-US" dirty="0" smtClean="0"/>
+              <a:t>Send an e-mail when the backup is done</a:t>
+            </a:r>
+          </a:p>
+          <a:p>
+            <a:pPr lvl="1"/>
+            <a:r>
+              <a:rPr lang="en-US" dirty="0" smtClean="0"/>
+              <a:t>Remote the OVH scripts from a local script (to let users run manually the scripts without being connected to OVH) and download files locally from the server</a:t>
+            </a:r>
+          </a:p>
+          <a:p>
+            <a:pPr lvl="1"/>
+            <a:r>
+              <a:rPr lang="en-US" dirty="0" smtClean="0"/>
+              <a:t>Make the script running as a cron task to plan daily/weekly backups (already effective with OVH)</a:t>
+            </a:r>
+          </a:p>
+          <a:p>
+            <a:pPr lvl="1"/>
+            <a:endParaRPr lang="en-US" dirty="0" smtClean="0"/>
+          </a:p>
+          <a:p>
+            <a:pPr lvl="1"/>
+            <a:endParaRPr lang="en-US" dirty="0"/>
+          </a:p>
+        </p:txBody>
+      </p:sp>
+    </p:spTree>
+    <p:extLst>
+      <p:ext uri="{BB962C8B-B14F-4D97-AF65-F5344CB8AC3E}">
+        <p14:creationId xmlns:p14="http://schemas.microsoft.com/office/powerpoint/2010/main" val="2034318941"/>
+      </p:ext>
+    </p:extLst>
+  </p:cSld>
+  <p:clrMapOvr>
+    <a:masterClrMapping/>
+  </p:clrMapOvr>
+</p:sld>
+</file>
+
 <file path=ppt/slides/slide2.xml><?xml version="1.0" encoding="utf-8"?>
 <p:sld xmlns:a="http://schemas.openxmlformats.org/drawingml/2006/main" xmlns:r="http://schemas.openxmlformats.org/officeDocument/2006/relationships" xmlns:p="http://schemas.openxmlformats.org/presentationml/2006/main">
   <p:cSld>
@@ -9450,31 +9533,7 @@
                   <a:srgbClr val="4F81BD"/>
                 </a:solidFill>
               </a:rPr>
-              <a:t>automatically b</a:t>
-            </a:r>
-            <a:r>
-              <a:rPr lang="en-GB" dirty="0" smtClean="0">
-                <a:solidFill>
-                  <a:srgbClr val="4F81BD"/>
-                </a:solidFill>
-              </a:rPr>
-              <a:t>ack-up website</a:t>
-            </a:r>
-            <a:r>
-              <a:rPr lang="en-GB" dirty="0" smtClean="0">
-                <a:solidFill>
-                  <a:srgbClr val="4F81BD"/>
-                </a:solidFill>
-              </a:rPr>
-              <a:t>s’</a:t>
-            </a:r>
-            <a:r>
-              <a:rPr lang="en-GB" dirty="0" smtClean="0">
-                <a:solidFill>
-                  <a:srgbClr val="4F81BD"/>
-                </a:solidFill>
-              </a:rPr>
-              <a:t> FTP and SQL with a shell script</a:t>
+              <a:t>automatically back-up websites’ FTP and SQL with a shell script</a:t>
             </a:r>
           </a:p>
           <a:p>
@@ -9507,8 +9566,21 @@
             </a:pPr>
             <a:r>
               <a:rPr lang="en-GB" dirty="0" smtClean="0"/>
-              <a:t>2 – Write a script to backup the FTP files</a:t>
-            </a:r>
+              <a:t>2 – </a:t>
+            </a:r>
+            <a:r>
+              <a:rPr lang="en-GB" dirty="0" smtClean="0"/>
+              <a:t>Write a script </a:t>
+            </a:r>
+            <a:r>
+              <a:rPr lang="en-GB" dirty="0" smtClean="0"/>
+              <a:t>to backup the FTP </a:t>
+            </a:r>
+            <a:r>
+              <a:rPr lang="en-GB" dirty="0" smtClean="0"/>
+              <a:t>files</a:t>
+            </a:r>
+            <a:endParaRPr lang="en-GB" dirty="0" smtClean="0"/>
           </a:p>
           <a:p>
             <a:pPr marL="0" indent="0">
@@ -9516,7 +9588,11 @@
             </a:pPr>
             <a:r>
               <a:rPr lang="en-GB" dirty="0" smtClean="0"/>
-              <a:t>3 -  Write a script to backup the SQL files</a:t>
+              <a:t>3 </a:t>
+            </a:r>
+            <a:r>
+              <a:rPr lang="en-GB" dirty="0" smtClean="0"/>
+              <a:t>-  Write a script to backup the SQL files</a:t>
             </a:r>
           </a:p>
           <a:p>
@@ -9606,15 +9682,7 @@
           <a:p>
             <a:r>
               <a:rPr lang="en-GB" dirty="0" smtClean="0"/>
-              <a:t>Add </a:t>
-            </a:r>
-            <a:r>
-              <a:rPr lang="en-GB" dirty="0" smtClean="0"/>
-              <a:t>your </a:t>
-            </a:r>
-            <a:r>
-              <a:rPr lang="en-GB" dirty="0" smtClean="0"/>
-              <a:t>public key to a specific file on the distant server :</a:t>
+              <a:t>Add your public key to a specific file on the distant server :</a:t>
             </a:r>
           </a:p>
           <a:p>
@@ -9635,11 +9703,7 @@
             </a:r>
             <a:r>
               <a:rPr lang="en-GB" dirty="0" err="1" smtClean="0"/>
-              <a:t>authorized</a:t>
-            </a:r>
-            <a:r>
-              <a:rPr lang="en-GB" dirty="0" err="1" smtClean="0"/>
-              <a:t>_keys</a:t>
+              <a:t>authorized_keys</a:t>
             </a:r>
             <a:r>
               <a:rPr lang="en-GB" dirty="0" smtClean="0"/>
@@ -9773,10 +9837,10 @@
           <a:lstStyle/>
           <a:p>
             <a:r>
-              <a:rPr lang="en-US" smtClean="0"/>
+              <a:rPr lang="en-US" dirty="0" smtClean="0"/>
               <a:t>FTP script</a:t>
             </a:r>
-            <a:endParaRPr lang="en-US"/>
+            <a:endParaRPr lang="en-US" dirty="0"/>
           </a:p>
         </p:txBody>
       </p:sp>
@@ -9820,15 +9884,7 @@
                   <a:srgbClr val="4F81BD"/>
                 </a:solidFill>
               </a:rPr>
-              <a:t>rsync –</a:t>
-            </a:r>
-            <a:r>
-              <a:rPr lang="en-US" noProof="1">
-                <a:solidFill>
-                  <a:srgbClr val="4F81BD"/>
-                </a:solidFill>
-              </a:rPr>
-              <a:t>arv </a:t>
+              <a:t>rsync –arv </a:t>
             </a:r>
             <a:r>
               <a:rPr lang="en-US" noProof="1" smtClean="0">
@@ -9867,11 +9923,7 @@
             </a:r>
             <a:r>
               <a:rPr lang="en-US" noProof="1" smtClean="0"/>
-              <a:t> </a:t>
-            </a:r>
-            <a:r>
-              <a:rPr lang="en-US" noProof="1" smtClean="0"/>
-              <a:t>and</a:t>
+              <a:t> and</a:t>
             </a:r>
             <a:r>
               <a:rPr lang="en-US" noProof="1" smtClean="0">
@@ -9994,27 +10046,34 @@
           <a:lstStyle/>
           <a:p>
             <a:r>
-              <a:rPr lang="en-US" dirty="0"/>
-              <a:t># </a:t>
-            </a:r>
-            <a:r>
-              <a:rPr lang="en-US" dirty="0" smtClean="0"/>
-              <a:t>Set </a:t>
-            </a:r>
-            <a:r>
-              <a:rPr lang="en-US" dirty="0"/>
-              <a:t>v</a:t>
-            </a:r>
-            <a:r>
-              <a:rPr lang="en-US" dirty="0" smtClean="0"/>
-              <a:t>ariables</a:t>
-            </a:r>
-            <a:r>
-              <a:rPr lang="en-US" dirty="0"/>
+              <a:rPr lang="en-US" dirty="0" smtClean="0"/>
+              <a:t>We initialize the variables</a:t>
+            </a:r>
+            <a:br>
+              <a:rPr lang="en-US" dirty="0" smtClean="0"/>
+            </a:br>
+            <a:r>
+              <a:rPr lang="en-US" dirty="0" smtClean="0">
+                <a:solidFill>
+                  <a:schemeClr val="accent1"/>
+                </a:solidFill>
+              </a:rPr>
+              <a:t>user=”username”</a:t>
+            </a:r>
+            <a:r>
+              <a:rPr lang="en-US" dirty="0" smtClean="0">
+                <a:solidFill>
+                  <a:schemeClr val="accent1"/>
+                </a:solidFill>
+              </a:rPr>
               <a:t/>
             </a:r>
             <a:br>
-              <a:rPr lang="en-US" dirty="0"/>
+              <a:rPr lang="en-US" dirty="0" smtClean="0">
+                <a:solidFill>
+                  <a:schemeClr val="accent1"/>
+                </a:solidFill>
+              </a:rPr>
             </a:br>
             <a:r>
               <a:rPr lang="en-US" dirty="0" smtClean="0">
@@ -10022,23 +10081,85 @@
                   <a:schemeClr val="accent1"/>
                 </a:solidFill>
               </a:rPr>
-              <a:t>user</a:t>
-            </a:r>
-            <a:r>
-              <a:rPr lang="en-US" dirty="0">
+              <a:t>password</a:t>
+            </a:r>
+            <a:r>
+              <a:rPr lang="en-US" dirty="0" smtClean="0">
                 <a:solidFill>
                   <a:schemeClr val="accent1"/>
                 </a:solidFill>
               </a:rPr>
-              <a:t>="</a:t>
-            </a:r>
+              <a:t>=”password”</a:t>
+            </a:r>
+            <a:r>
+              <a:rPr lang="en-US" dirty="0" smtClean="0">
+                <a:solidFill>
+                  <a:schemeClr val="accent1"/>
+                </a:solidFill>
+              </a:rPr>
+              <a:t/>
+            </a:r>
+            <a:br>
+              <a:rPr lang="en-US" dirty="0" smtClean="0">
+                <a:solidFill>
+                  <a:schemeClr val="accent1"/>
+                </a:solidFill>
+              </a:rPr>
+            </a:br>
+            <a:r>
+              <a:rPr lang="en-US" dirty="0" smtClean="0">
+                <a:solidFill>
+                  <a:schemeClr val="accent1"/>
+                </a:solidFill>
+              </a:rPr>
+              <a:t>host</a:t>
+            </a:r>
+            <a:r>
+              <a:rPr lang="en-US" dirty="0" smtClean="0">
+                <a:solidFill>
+                  <a:schemeClr val="accent1"/>
+                </a:solidFill>
+              </a:rPr>
+              <a:t>=”server”</a:t>
+            </a:r>
+            <a:r>
+              <a:rPr lang="en-US" dirty="0" smtClean="0">
+                <a:solidFill>
+                  <a:schemeClr val="accent1"/>
+                </a:solidFill>
+              </a:rPr>
+              <a:t/>
+            </a:r>
+            <a:br>
+              <a:rPr lang="en-US" dirty="0" smtClean="0">
+                <a:solidFill>
+                  <a:schemeClr val="accent1"/>
+                </a:solidFill>
+              </a:rPr>
+            </a:br>
             <a:r>
               <a:rPr lang="en-US" dirty="0" err="1" smtClean="0">
                 <a:solidFill>
                   <a:schemeClr val="accent1"/>
                 </a:solidFill>
               </a:rPr>
-              <a:t>orthoeurscinfo</a:t>
+              <a:t>db_name</a:t>
+            </a:r>
+            <a:r>
+              <a:rPr lang="en-US" dirty="0" smtClean="0">
+                <a:solidFill>
+                  <a:schemeClr val="accent1"/>
+                </a:solidFill>
+              </a:rPr>
+              <a:t>=”</a:t>
+            </a:r>
+            <a:r>
+              <a:rPr lang="en-US" dirty="0" err="1" smtClean="0">
+                <a:solidFill>
+                  <a:schemeClr val="accent1"/>
+                </a:solidFill>
+              </a:rPr>
+              <a:t>databaseName</a:t>
             </a:r>
             <a:r>
               <a:rPr lang="en-US" dirty="0" smtClean="0">
@@ -10048,107 +10169,11 @@
               </a:rPr>
               <a:t>”</a:t>
             </a:r>
-            <a:br>
-              <a:rPr lang="en-US" dirty="0" smtClean="0">
-                <a:solidFill>
-                  <a:schemeClr val="accent1"/>
-                </a:solidFill>
-              </a:rPr>
-            </a:br>
-            <a:r>
-              <a:rPr lang="en-US" dirty="0" smtClean="0">
-                <a:solidFill>
-                  <a:schemeClr val="accent1"/>
-                </a:solidFill>
-              </a:rPr>
-              <a:t>password</a:t>
-            </a:r>
-            <a:r>
-              <a:rPr lang="en-US" dirty="0">
-                <a:solidFill>
-                  <a:schemeClr val="accent1"/>
-                </a:solidFill>
-              </a:rPr>
-              <a:t>="</a:t>
-            </a:r>
-            <a:r>
-              <a:rPr lang="en-US" dirty="0" smtClean="0">
-                <a:solidFill>
-                  <a:schemeClr val="accent1"/>
-                </a:solidFill>
-              </a:rPr>
-              <a:t>waJPtbG2”</a:t>
-            </a:r>
-            <a:br>
-              <a:rPr lang="en-US" dirty="0" smtClean="0">
-                <a:solidFill>
-                  <a:schemeClr val="accent1"/>
-                </a:solidFill>
-              </a:rPr>
-            </a:br>
-            <a:r>
-              <a:rPr lang="en-US" dirty="0" smtClean="0">
-                <a:solidFill>
-                  <a:schemeClr val="accent1"/>
-                </a:solidFill>
-              </a:rPr>
-              <a:t>host</a:t>
-            </a:r>
-            <a:r>
-              <a:rPr lang="en-US" dirty="0">
-                <a:solidFill>
-                  <a:schemeClr val="accent1"/>
-                </a:solidFill>
-              </a:rPr>
-              <a:t>="mysql51-31.</a:t>
-            </a:r>
-            <a:r>
-              <a:rPr lang="en-US" dirty="0" smtClean="0">
-                <a:solidFill>
-                  <a:schemeClr val="accent1"/>
-                </a:solidFill>
-              </a:rPr>
-              <a:t>bdb”</a:t>
-            </a:r>
-            <a:br>
-              <a:rPr lang="en-US" dirty="0" smtClean="0">
-                <a:solidFill>
-                  <a:schemeClr val="accent1"/>
-                </a:solidFill>
-              </a:rPr>
-            </a:br>
-            <a:r>
-              <a:rPr lang="en-US" dirty="0" err="1" smtClean="0">
-                <a:solidFill>
-                  <a:schemeClr val="accent1"/>
-                </a:solidFill>
-              </a:rPr>
-              <a:t>db_name</a:t>
-            </a:r>
-            <a:r>
-              <a:rPr lang="en-US" dirty="0">
-                <a:solidFill>
-                  <a:schemeClr val="accent1"/>
-                </a:solidFill>
-              </a:rPr>
-              <a:t>="</a:t>
-            </a:r>
-            <a:r>
-              <a:rPr lang="en-US" dirty="0" err="1" smtClean="0">
-                <a:solidFill>
-                  <a:schemeClr val="accent1"/>
-                </a:solidFill>
-              </a:rPr>
-              <a:t>orthoeurscinfo</a:t>
-            </a:r>
-            <a:r>
-              <a:rPr lang="en-US" dirty="0" smtClean="0">
-                <a:solidFill>
-                  <a:schemeClr val="accent1"/>
-                </a:solidFill>
-              </a:rPr>
-              <a:t>”</a:t>
-            </a:r>
+            <a:endParaRPr lang="en-US" dirty="0" smtClean="0">
+              <a:solidFill>
+                <a:schemeClr val="accent1"/>
+              </a:solidFill>
+            </a:endParaRPr>
           </a:p>
           <a:p>
             <a:r>
@@ -10407,7 +10432,7 @@
       </p:grpSpPr>
       <p:sp>
         <p:nvSpPr>
-          <p:cNvPr id="2" name="Title 1"/>
+          <p:cNvPr id="2" name="Titre 1"/>
           <p:cNvSpPr>
             <a:spLocks noGrp="1"/>
           </p:cNvSpPr>
@@ -10421,8 +10446,38 @@
           <a:lstStyle/>
           <a:p>
             <a:r>
-              <a:rPr lang="en-US" dirty="0" smtClean="0"/>
-              <a:t>Solved problems</a:t>
+              <a:rPr lang="en-GB" dirty="0" smtClean="0"/>
+              <a:t>Personalize the script </a:t>
+            </a:r>
+            <a:endParaRPr lang="en-GB" dirty="0"/>
+          </a:p>
+        </p:txBody>
+      </p:sp>
+      <p:sp>
+        <p:nvSpPr>
+          <p:cNvPr id="5" name="TextBox 4"/>
+          <p:cNvSpPr txBox="1"/>
+          <p:nvPr/>
+        </p:nvSpPr>
+        <p:spPr>
+          <a:xfrm>
+            <a:off x="650557" y="1893792"/>
+            <a:ext cx="5919276" cy="369332"/>
+          </a:xfrm>
+          <a:prstGeom prst="rect">
+            <a:avLst/>
+          </a:prstGeom>
+          <a:noFill/>
+        </p:spPr>
+        <p:txBody>
+          <a:bodyPr wrap="square" rtlCol="0">
+            <a:spAutoFit/>
+          </a:bodyPr>
+          <a:lstStyle/>
+          <a:p>
+            <a:r>
+              <a:rPr lang="en-US" dirty="0" smtClean="0"/>
+              <a:t>Merging the FTP and SQL script</a:t>
             </a:r>
             <a:endParaRPr lang="en-US" dirty="0"/>
           </a:p>
@@ -10430,119 +10485,158 @@
       </p:sp>
       <p:sp>
         <p:nvSpPr>
-          <p:cNvPr id="3" name="Content Placeholder 2"/>
-          <p:cNvSpPr>
-            <a:spLocks noGrp="1"/>
-          </p:cNvSpPr>
-          <p:nvPr>
-            <p:ph idx="1"/>
-          </p:nvPr>
-        </p:nvSpPr>
-        <p:spPr/>
-        <p:txBody>
-          <a:bodyPr/>
-          <a:lstStyle/>
-          <a:p>
-            <a:r>
-              <a:rPr lang="en-US" dirty="0" smtClean="0"/>
-              <a:t>Make a script executable using the </a:t>
-            </a:r>
-            <a:r>
-              <a:rPr lang="en-US" dirty="0" err="1" smtClean="0">
+          <p:cNvPr id="6" name="TextBox 5"/>
+          <p:cNvSpPr txBox="1"/>
+          <p:nvPr/>
+        </p:nvSpPr>
+        <p:spPr>
+          <a:xfrm>
+            <a:off x="650557" y="4066158"/>
+            <a:ext cx="5024025" cy="369332"/>
+          </a:xfrm>
+          <a:prstGeom prst="rect">
+            <a:avLst/>
+          </a:prstGeom>
+          <a:noFill/>
+        </p:spPr>
+        <p:txBody>
+          <a:bodyPr wrap="square" rtlCol="0">
+            <a:spAutoFit/>
+          </a:bodyPr>
+          <a:lstStyle/>
+          <a:p>
+            <a:r>
+              <a:rPr lang="en-US" dirty="0" smtClean="0"/>
+              <a:t>Store the backups into a well organized folder</a:t>
+            </a:r>
+            <a:endParaRPr lang="en-US" dirty="0"/>
+          </a:p>
+        </p:txBody>
+      </p:sp>
+      <p:sp>
+        <p:nvSpPr>
+          <p:cNvPr id="7" name="TextBox 6"/>
+          <p:cNvSpPr txBox="1"/>
+          <p:nvPr/>
+        </p:nvSpPr>
+        <p:spPr>
+          <a:xfrm>
+            <a:off x="1841035" y="4663849"/>
+            <a:ext cx="5165062" cy="369332"/>
+          </a:xfrm>
+          <a:prstGeom prst="rect">
+            <a:avLst/>
+          </a:prstGeom>
+          <a:noFill/>
+        </p:spPr>
+        <p:txBody>
+          <a:bodyPr wrap="square" rtlCol="0">
+            <a:spAutoFit/>
+          </a:bodyPr>
+          <a:lstStyle/>
+          <a:p>
+            <a:r>
+              <a:rPr lang="en-US" dirty="0" err="1">
+                <a:solidFill>
+                  <a:schemeClr val="accent1"/>
+                </a:solidFill>
+              </a:rPr>
+              <a:t>mkdir</a:t>
+            </a:r>
+            <a:r>
+              <a:rPr lang="en-US" dirty="0">
+                <a:solidFill>
+                  <a:schemeClr val="accent1"/>
+                </a:solidFill>
+              </a:rPr>
+              <a:t> -m 705 $</a:t>
+            </a:r>
+            <a:r>
+              <a:rPr lang="en-US" dirty="0" err="1">
+                <a:solidFill>
+                  <a:schemeClr val="accent1"/>
+                </a:solidFill>
+              </a:rPr>
+              <a:t>allbackups</a:t>
+            </a:r>
+            <a:r>
+              <a:rPr lang="en-US" dirty="0">
+                <a:solidFill>
+                  <a:schemeClr val="accent1"/>
+                </a:solidFill>
+              </a:rPr>
+              <a:t>/backup-$date</a:t>
+            </a:r>
+            <a:endParaRPr lang="en-US" dirty="0">
+              <a:solidFill>
+                <a:schemeClr val="accent1"/>
+              </a:solidFill>
+            </a:endParaRPr>
+          </a:p>
+        </p:txBody>
+      </p:sp>
+      <p:sp>
+        <p:nvSpPr>
+          <p:cNvPr id="8" name="TextBox 7"/>
+          <p:cNvSpPr txBox="1"/>
+          <p:nvPr/>
+        </p:nvSpPr>
+        <p:spPr>
+          <a:xfrm>
+            <a:off x="650557" y="5371056"/>
+            <a:ext cx="5919276" cy="369332"/>
+          </a:xfrm>
+          <a:prstGeom prst="rect">
+            <a:avLst/>
+          </a:prstGeom>
+          <a:noFill/>
+        </p:spPr>
+        <p:txBody>
+          <a:bodyPr wrap="square" rtlCol="0">
+            <a:spAutoFit/>
+          </a:bodyPr>
+          <a:lstStyle/>
+          <a:p>
+            <a:r>
+              <a:rPr lang="en-US" i="1" dirty="0" smtClean="0"/>
+              <a:t>The variable </a:t>
+            </a:r>
+            <a:r>
+              <a:rPr lang="en-US" i="1" dirty="0" smtClean="0">
                 <a:solidFill>
                   <a:srgbClr val="4F81BD"/>
                 </a:solidFill>
               </a:rPr>
-              <a:t>chmod</a:t>
-            </a:r>
-            <a:r>
-              <a:rPr lang="en-US" dirty="0" smtClean="0"/>
-              <a:t> command :</a:t>
-            </a:r>
-          </a:p>
-          <a:p>
-            <a:pPr lvl="1"/>
-            <a:r>
-              <a:rPr lang="en-US" dirty="0" err="1" smtClean="0">
-                <a:solidFill>
-                  <a:schemeClr val="accent1"/>
+              <a:t>$</a:t>
+            </a:r>
+            <a:r>
+              <a:rPr lang="en-US" i="1" dirty="0" err="1" smtClean="0">
+                <a:solidFill>
+                  <a:srgbClr val="4F81BD"/>
                 </a:solidFill>
               </a:rPr>
-              <a:t>chmod</a:t>
-            </a:r>
-            <a:r>
-              <a:rPr lang="en-US" dirty="0" smtClean="0">
-                <a:solidFill>
-                  <a:schemeClr val="accent1"/>
-                </a:solidFill>
-              </a:rPr>
-              <a:t>  +x  </a:t>
-            </a:r>
-            <a:r>
-              <a:rPr lang="en-US" dirty="0" err="1" smtClean="0">
-                <a:solidFill>
-                  <a:schemeClr val="accent1"/>
-                </a:solidFill>
-              </a:rPr>
-              <a:t>script.sh</a:t>
-            </a:r>
-            <a:r>
-              <a:rPr lang="en-US" dirty="0" smtClean="0">
-                <a:solidFill>
-                  <a:schemeClr val="accent1"/>
+              <a:t>allbackups</a:t>
+            </a:r>
+            <a:r>
+              <a:rPr lang="en-US" i="1" dirty="0" smtClean="0">
+                <a:solidFill>
+                  <a:srgbClr val="4F81BD"/>
                 </a:solidFill>
               </a:rPr>
               <a:t> </a:t>
             </a:r>
-          </a:p>
-          <a:p>
-            <a:r>
-              <a:rPr lang="en-US" dirty="0" smtClean="0"/>
-              <a:t>Access to OVH databases from local computer</a:t>
-            </a:r>
-          </a:p>
-          <a:p>
-            <a:pPr lvl="1"/>
-            <a:r>
-              <a:rPr lang="en-US" dirty="0" smtClean="0"/>
-              <a:t>OVH does not authorize external access to its databases </a:t>
-            </a:r>
-          </a:p>
-          <a:p>
-            <a:r>
-              <a:rPr lang="en-US" dirty="0" smtClean="0"/>
-              <a:t>Run a script on OVH</a:t>
-            </a:r>
-          </a:p>
-          <a:p>
-            <a:pPr lvl="1"/>
-            <a:r>
-              <a:rPr lang="en-US" dirty="0" smtClean="0"/>
-              <a:t>OVH authorize some </a:t>
-            </a:r>
-            <a:r>
-              <a:rPr lang="en-US" smtClean="0"/>
-              <a:t>script commands </a:t>
-            </a:r>
-            <a:r>
-              <a:rPr lang="en-US" dirty="0" smtClean="0"/>
-              <a:t>(all which is used in our project </a:t>
-            </a:r>
-            <a:r>
-              <a:rPr lang="en-US" smtClean="0"/>
-              <a:t>is authorized)</a:t>
-            </a:r>
-            <a:endParaRPr lang="en-US" dirty="0" smtClean="0"/>
-          </a:p>
-          <a:p>
-            <a:endParaRPr lang="en-US" dirty="0"/>
+            <a:r>
+              <a:rPr lang="en-US" i="1" dirty="0" smtClean="0"/>
+              <a:t>refers to our backup folder</a:t>
+            </a:r>
+            <a:endParaRPr lang="en-US" i="1" dirty="0"/>
           </a:p>
         </p:txBody>
       </p:sp>
     </p:spTree>
     <p:extLst>
       <p:ext uri="{BB962C8B-B14F-4D97-AF65-F5344CB8AC3E}">
-        <p14:creationId xmlns:p14="http://schemas.microsoft.com/office/powerpoint/2010/main" val="2621545615"/>
+        <p14:creationId xmlns:p14="http://schemas.microsoft.com/office/powerpoint/2010/main" val="4246626100"/>
       </p:ext>
     </p:extLst>
   </p:cSld>
@@ -10586,7 +10680,7 @@
           <a:p>
             <a:r>
               <a:rPr lang="en-US" dirty="0" smtClean="0"/>
-              <a:t>To do next</a:t>
+              <a:t>Result</a:t>
             </a:r>
             <a:endParaRPr lang="en-US" dirty="0"/>
           </a:p>
@@ -10609,57 +10703,349 @@
           <a:p>
             <a:r>
               <a:rPr lang="en-US" dirty="0" smtClean="0"/>
-              <a:t>Combine the scripts into a unique one</a:t>
-            </a:r>
-          </a:p>
-          <a:p>
-            <a:r>
-              <a:rPr lang="en-US" dirty="0" smtClean="0"/>
-              <a:t>Develop the script with further functions :</a:t>
-            </a:r>
-          </a:p>
-          <a:p>
-            <a:pPr lvl="1"/>
-            <a:r>
-              <a:rPr lang="en-US" dirty="0" smtClean="0"/>
-              <a:t>Delete backups dated more than X days</a:t>
-            </a:r>
-          </a:p>
-          <a:p>
-            <a:pPr lvl="1"/>
-            <a:r>
-              <a:rPr lang="en-US" dirty="0" smtClean="0"/>
-              <a:t>Send an e-mail when the backup is done</a:t>
-            </a:r>
-          </a:p>
-          <a:p>
-            <a:pPr lvl="1"/>
-            <a:r>
-              <a:rPr lang="en-US" dirty="0" smtClean="0"/>
-              <a:t>Remote the OVH scripts from a local script (to let users run manually the scripts without being connected to OVH) and download files locally from the server</a:t>
-            </a:r>
-          </a:p>
-          <a:p>
-            <a:pPr lvl="1"/>
-            <a:r>
-              <a:rPr lang="en-US" dirty="0" smtClean="0"/>
-              <a:t>Make the script running as a cron task to plan daily/weekly backups (already effective with OVH)</a:t>
-            </a:r>
-          </a:p>
-          <a:p>
-            <a:pPr lvl="1"/>
-            <a:endParaRPr lang="en-US" dirty="0" smtClean="0"/>
-          </a:p>
-          <a:p>
-            <a:pPr lvl="1"/>
+              <a:t>A new folder is created at each script execution</a:t>
+            </a:r>
+          </a:p>
+          <a:p>
             <a:endParaRPr lang="en-US" dirty="0"/>
+          </a:p>
+          <a:p>
+            <a:pPr lvl="5"/>
+            <a:endParaRPr lang="en-US" dirty="0"/>
+          </a:p>
+        </p:txBody>
+      </p:sp>
+      <p:pic>
+        <p:nvPicPr>
+          <p:cNvPr id="4" name="Picture 3" descr="Capture d’écran 2014-05-26 à 12.12.25.png"/>
+          <p:cNvPicPr>
+            <a:picLocks noChangeAspect="1"/>
+          </p:cNvPicPr>
+          <p:nvPr/>
+        </p:nvPicPr>
+        <p:blipFill>
+          <a:blip r:embed="rId2">
+            <a:extLst>
+              <a:ext uri="{28A0092B-C50C-407E-A947-70E740481C1C}">
+                <a14:useLocalDpi xmlns:a14="http://schemas.microsoft.com/office/drawing/2010/main" val="0"/>
+              </a:ext>
+            </a:extLst>
+          </a:blip>
+          <a:stretch>
+            <a:fillRect/>
+          </a:stretch>
+        </p:blipFill>
+        <p:spPr>
+          <a:xfrm>
+            <a:off x="705673" y="2671763"/>
+            <a:ext cx="2476500" cy="3454400"/>
+          </a:xfrm>
+          <a:prstGeom prst="rect">
+            <a:avLst/>
+          </a:prstGeom>
+        </p:spPr>
+      </p:pic>
+      <p:sp>
+        <p:nvSpPr>
+          <p:cNvPr id="5" name="TextBox 4"/>
+          <p:cNvSpPr txBox="1"/>
+          <p:nvPr/>
+        </p:nvSpPr>
+        <p:spPr>
+          <a:xfrm>
+            <a:off x="3588853" y="2671763"/>
+            <a:ext cx="4136502" cy="646331"/>
+          </a:xfrm>
+          <a:prstGeom prst="rect">
+            <a:avLst/>
+          </a:prstGeom>
+          <a:noFill/>
+        </p:spPr>
+        <p:txBody>
+          <a:bodyPr wrap="square" rtlCol="0">
+            <a:spAutoFit/>
+          </a:bodyPr>
+          <a:lstStyle/>
+          <a:p>
+            <a:r>
+              <a:rPr lang="en-US" dirty="0" smtClean="0">
+                <a:solidFill>
+                  <a:schemeClr val="tx1">
+                    <a:lumMod val="50000"/>
+                    <a:lumOff val="50000"/>
+                  </a:schemeClr>
+                </a:solidFill>
+              </a:rPr>
+              <a:t>The date and hour is added to the automatically created folder</a:t>
+            </a:r>
+            <a:endParaRPr lang="en-US" dirty="0">
+              <a:solidFill>
+                <a:schemeClr val="tx1">
+                  <a:lumMod val="50000"/>
+                  <a:lumOff val="50000"/>
+                </a:schemeClr>
+              </a:solidFill>
+            </a:endParaRPr>
           </a:p>
         </p:txBody>
       </p:sp>
     </p:spTree>
     <p:extLst>
       <p:ext uri="{BB962C8B-B14F-4D97-AF65-F5344CB8AC3E}">
-        <p14:creationId xmlns:p14="http://schemas.microsoft.com/office/powerpoint/2010/main" val="2034318941"/>
+        <p14:creationId xmlns:p14="http://schemas.microsoft.com/office/powerpoint/2010/main" val="936837068"/>
+      </p:ext>
+    </p:extLst>
+  </p:cSld>
+  <p:clrMapOvr>
+    <a:masterClrMapping/>
+  </p:clrMapOvr>
+</p:sld>
+</file>
+
+<file path=ppt/slides/slide8.xml><?xml version="1.0" encoding="utf-8"?>
+<p:sld xmlns:a="http://schemas.openxmlformats.org/drawingml/2006/main" xmlns:r="http://schemas.openxmlformats.org/officeDocument/2006/relationships" xmlns:p="http://schemas.openxmlformats.org/presentationml/2006/main">
+  <p:cSld>
+    <p:spTree>
+      <p:nvGrpSpPr>
+        <p:cNvPr id="1" name=""/>
+        <p:cNvGrpSpPr/>
+        <p:nvPr/>
+      </p:nvGrpSpPr>
+      <p:grpSpPr>
+        <a:xfrm>
+          <a:off x="0" y="0"/>
+          <a:ext cx="0" cy="0"/>
+          <a:chOff x="0" y="0"/>
+          <a:chExt cx="0" cy="0"/>
+        </a:xfrm>
+      </p:grpSpPr>
+      <p:sp>
+        <p:nvSpPr>
+          <p:cNvPr id="2" name="Title 1"/>
+          <p:cNvSpPr>
+            <a:spLocks noGrp="1"/>
+          </p:cNvSpPr>
+          <p:nvPr>
+            <p:ph type="title"/>
+          </p:nvPr>
+        </p:nvSpPr>
+        <p:spPr/>
+        <p:txBody>
+          <a:bodyPr/>
+          <a:lstStyle/>
+          <a:p>
+            <a:r>
+              <a:rPr lang="en-US" dirty="0" smtClean="0"/>
+              <a:t>Solved problems</a:t>
+            </a:r>
+            <a:endParaRPr lang="en-US" dirty="0"/>
+          </a:p>
+        </p:txBody>
+      </p:sp>
+      <p:sp>
+        <p:nvSpPr>
+          <p:cNvPr id="3" name="Content Placeholder 2"/>
+          <p:cNvSpPr>
+            <a:spLocks noGrp="1"/>
+          </p:cNvSpPr>
+          <p:nvPr>
+            <p:ph idx="1"/>
+          </p:nvPr>
+        </p:nvSpPr>
+        <p:spPr/>
+        <p:txBody>
+          <a:bodyPr/>
+          <a:lstStyle/>
+          <a:p>
+            <a:r>
+              <a:rPr lang="en-US" dirty="0" smtClean="0"/>
+              <a:t>Make a script executable using the </a:t>
+            </a:r>
+            <a:r>
+              <a:rPr lang="en-US" dirty="0" err="1" smtClean="0">
+                <a:solidFill>
+                  <a:srgbClr val="4F81BD"/>
+                </a:solidFill>
+              </a:rPr>
+              <a:t>chmod</a:t>
+            </a:r>
+            <a:r>
+              <a:rPr lang="en-US" dirty="0" smtClean="0"/>
+              <a:t> command :</a:t>
+            </a:r>
+          </a:p>
+          <a:p>
+            <a:pPr lvl="1"/>
+            <a:r>
+              <a:rPr lang="en-US" dirty="0" err="1" smtClean="0">
+                <a:solidFill>
+                  <a:schemeClr val="accent1"/>
+                </a:solidFill>
+              </a:rPr>
+              <a:t>chmod</a:t>
+            </a:r>
+            <a:r>
+              <a:rPr lang="en-US" dirty="0" smtClean="0">
+                <a:solidFill>
+                  <a:schemeClr val="accent1"/>
+                </a:solidFill>
+              </a:rPr>
+              <a:t>  +x  </a:t>
+            </a:r>
+            <a:r>
+              <a:rPr lang="en-US" dirty="0" err="1" smtClean="0">
+                <a:solidFill>
+                  <a:schemeClr val="accent1"/>
+                </a:solidFill>
+              </a:rPr>
+              <a:t>script.sh</a:t>
+            </a:r>
+            <a:r>
+              <a:rPr lang="en-US" dirty="0" smtClean="0">
+                <a:solidFill>
+                  <a:schemeClr val="accent1"/>
+                </a:solidFill>
+              </a:rPr>
+              <a:t> </a:t>
+            </a:r>
+          </a:p>
+          <a:p>
+            <a:r>
+              <a:rPr lang="en-US" dirty="0" smtClean="0"/>
+              <a:t>Access to OVH databases from local computer</a:t>
+            </a:r>
+          </a:p>
+          <a:p>
+            <a:pPr lvl="1"/>
+            <a:r>
+              <a:rPr lang="en-US" dirty="0" smtClean="0"/>
+              <a:t>OVH does not authorize external access to its databases </a:t>
+            </a:r>
+          </a:p>
+          <a:p>
+            <a:r>
+              <a:rPr lang="en-US" dirty="0" smtClean="0"/>
+              <a:t>Run a script on OVH</a:t>
+            </a:r>
+          </a:p>
+          <a:p>
+            <a:pPr lvl="1"/>
+            <a:r>
+              <a:rPr lang="en-US" dirty="0" smtClean="0"/>
+              <a:t>OVH authorize some </a:t>
+            </a:r>
+            <a:r>
+              <a:rPr lang="en-US" smtClean="0"/>
+              <a:t>script commands </a:t>
+            </a:r>
+            <a:r>
+              <a:rPr lang="en-US" dirty="0" smtClean="0"/>
+              <a:t>(all which is used in our project </a:t>
+            </a:r>
+            <a:r>
+              <a:rPr lang="en-US" smtClean="0"/>
+              <a:t>is authorized)</a:t>
+            </a:r>
+            <a:endParaRPr lang="en-US" dirty="0" smtClean="0"/>
+          </a:p>
+          <a:p>
+            <a:endParaRPr lang="en-US" dirty="0"/>
+          </a:p>
+        </p:txBody>
+      </p:sp>
+    </p:spTree>
+    <p:extLst>
+      <p:ext uri="{BB962C8B-B14F-4D97-AF65-F5344CB8AC3E}">
+        <p14:creationId xmlns:p14="http://schemas.microsoft.com/office/powerpoint/2010/main" val="2621545615"/>
+      </p:ext>
+    </p:extLst>
+  </p:cSld>
+  <p:clrMapOvr>
+    <a:masterClrMapping/>
+  </p:clrMapOvr>
+</p:sld>
+</file>
+
+<file path=ppt/slides/slide9.xml><?xml version="1.0" encoding="utf-8"?>
+<p:sld xmlns:a="http://schemas.openxmlformats.org/drawingml/2006/main" xmlns:r="http://schemas.openxmlformats.org/officeDocument/2006/relationships" xmlns:p="http://schemas.openxmlformats.org/presentationml/2006/main">
+  <p:cSld>
+    <p:spTree>
+      <p:nvGrpSpPr>
+        <p:cNvPr id="1" name=""/>
+        <p:cNvGrpSpPr/>
+        <p:nvPr/>
+      </p:nvGrpSpPr>
+      <p:grpSpPr>
+        <a:xfrm>
+          <a:off x="0" y="0"/>
+          <a:ext cx="0" cy="0"/>
+          <a:chOff x="0" y="0"/>
+          <a:chExt cx="0" cy="0"/>
+        </a:xfrm>
+      </p:grpSpPr>
+      <p:sp>
+        <p:nvSpPr>
+          <p:cNvPr id="2" name="Title 1"/>
+          <p:cNvSpPr>
+            <a:spLocks noGrp="1"/>
+          </p:cNvSpPr>
+          <p:nvPr>
+            <p:ph type="title"/>
+          </p:nvPr>
+        </p:nvSpPr>
+        <p:spPr/>
+        <p:txBody>
+          <a:bodyPr/>
+          <a:lstStyle/>
+          <a:p>
+            <a:r>
+              <a:rPr lang="en-US" dirty="0" smtClean="0"/>
+              <a:t>Issues</a:t>
+            </a:r>
+            <a:endParaRPr lang="en-US" dirty="0"/>
+          </a:p>
+        </p:txBody>
+      </p:sp>
+      <p:sp>
+        <p:nvSpPr>
+          <p:cNvPr id="3" name="Content Placeholder 2"/>
+          <p:cNvSpPr>
+            <a:spLocks noGrp="1"/>
+          </p:cNvSpPr>
+          <p:nvPr>
+            <p:ph idx="1"/>
+          </p:nvPr>
+        </p:nvSpPr>
+        <p:spPr/>
+        <p:txBody>
+          <a:bodyPr/>
+          <a:lstStyle/>
+          <a:p>
+            <a:r>
+              <a:rPr lang="en-US" dirty="0" smtClean="0"/>
+              <a:t>Dump only tables with a prefix “</a:t>
+            </a:r>
+            <a:r>
+              <a:rPr lang="en-US" dirty="0" err="1" smtClean="0"/>
+              <a:t>myprefix</a:t>
+            </a:r>
+            <a:r>
+              <a:rPr lang="en-US" dirty="0" smtClean="0"/>
+              <a:t>”</a:t>
+            </a:r>
+          </a:p>
+          <a:p>
+            <a:endParaRPr lang="en-US" dirty="0"/>
+          </a:p>
+          <a:p>
+            <a:endParaRPr lang="en-US" dirty="0"/>
+          </a:p>
+        </p:txBody>
+      </p:sp>
+    </p:spTree>
+    <p:extLst>
+      <p:ext uri="{BB962C8B-B14F-4D97-AF65-F5344CB8AC3E}">
+        <p14:creationId xmlns:p14="http://schemas.microsoft.com/office/powerpoint/2010/main" val="3929073780"/>
       </p:ext>
     </p:extLst>
   </p:cSld>
